--- a/презентация/Презентация_Дробышевский.pptx
+++ b/презентация/Презентация_Дробышевский.pptx
@@ -3551,7 +3551,7 @@
         <p:spPr>
           <a:xfrm>
             <a:off x="476249" y="2002393"/>
-            <a:ext cx="11239500" cy="369332"/>
+            <a:ext cx="11239500" cy="646331"/>
           </a:xfrm>
           <a:prstGeom prst="rect">
             <a:avLst/>
@@ -3572,11 +3572,39 @@
               <a:t>Решение матричного уравнения, рассмотренного ранее, было распараллелено при помощи функции </a:t>
             </a:r>
             <a:r>
+              <a:rPr lang="en-US" dirty="0" err="1">
+                <a:latin typeface="Times New Roman" panose="02020603050405020304" pitchFamily="18" charset="0"/>
+                <a:cs typeface="Times New Roman" panose="02020603050405020304" pitchFamily="18" charset="0"/>
+              </a:rPr>
+              <a:t>CUDADot</a:t>
+            </a:r>
+            <a:r>
               <a:rPr lang="en-US" dirty="0">
                 <a:latin typeface="Times New Roman" panose="02020603050405020304" pitchFamily="18" charset="0"/>
                 <a:cs typeface="Times New Roman" panose="02020603050405020304" pitchFamily="18" charset="0"/>
               </a:rPr>
-              <a:t>CUDADot[]</a:t>
+              <a:t>[]</a:t>
+            </a:r>
+            <a:r>
+              <a:rPr lang="ru-RU" dirty="0">
+                <a:latin typeface="Times New Roman" panose="02020603050405020304" pitchFamily="18" charset="0"/>
+                <a:cs typeface="Times New Roman" panose="02020603050405020304" pitchFamily="18" charset="0"/>
+              </a:rPr>
+              <a:t>,  встроенной в систему </a:t>
+            </a:r>
+            <a:r>
+              <a:rPr lang="en-US" dirty="0">
+                <a:latin typeface="Times New Roman" panose="02020603050405020304" pitchFamily="18" charset="0"/>
+                <a:cs typeface="Times New Roman" panose="02020603050405020304" pitchFamily="18" charset="0"/>
+              </a:rPr>
+              <a:t>Wolfram Mathematica</a:t>
+            </a:r>
+            <a:r>
+              <a:rPr lang="ru-RU">
+                <a:latin typeface="Times New Roman" panose="02020603050405020304" pitchFamily="18" charset="0"/>
+                <a:cs typeface="Times New Roman" panose="02020603050405020304" pitchFamily="18" charset="0"/>
+              </a:rPr>
+              <a:t>.</a:t>
             </a:r>
             <a:endParaRPr lang="ru-RU" dirty="0">
               <a:latin typeface="Times New Roman" panose="02020603050405020304" pitchFamily="18" charset="0"/>
